--- a/topic01-IntelliJ-JVM-and-IO/unit-01a-introduction/talk-4-intellij/Intellij.pptx
+++ b/topic01-IntelliJ-JVM-and-IO/unit-01a-introduction/talk-4-intellij/Intellij.pptx
@@ -5,7 +5,7 @@
     <p:sldMasterId id="2147483672" r:id="rId1"/>
   </p:sldMasterIdLst>
   <p:notesMasterIdLst>
-    <p:notesMasterId r:id="rId18"/>
+    <p:notesMasterId r:id="rId17"/>
   </p:notesMasterIdLst>
   <p:sldIdLst>
     <p:sldId id="325" r:id="rId2"/>
@@ -22,8 +22,7 @@
     <p:sldId id="673" r:id="rId13"/>
     <p:sldId id="679" r:id="rId14"/>
     <p:sldId id="689" r:id="rId15"/>
-    <p:sldId id="681" r:id="rId16"/>
-    <p:sldId id="347" r:id="rId17"/>
+    <p:sldId id="347" r:id="rId16"/>
   </p:sldIdLst>
   <p:sldSz cx="12192000" cy="6858000"/>
   <p:notesSz cx="6858000" cy="9144000"/>
@@ -223,7 +222,7 @@
           <a:p>
             <a:fld id="{58C3D141-1E1C-433C-AD3A-CD56CBBB4F9F}" type="datetimeFigureOut">
               <a:rPr lang="en-IE" smtClean="0"/>
-              <a:t>23/09/2025</a:t>
+              <a:t>15/01/2026</a:t>
             </a:fld>
             <a:endParaRPr lang="en-IE"/>
           </a:p>
@@ -673,7 +672,7 @@
             <a:fld id="{1D8BD707-D9CF-40AE-B4C6-C98DA3205C09}" type="datetimeFigureOut">
               <a:rPr lang="en-US" smtClean="0"/>
               <a:pPr/>
-              <a:t>9/23/2025</a:t>
+              <a:t>1/15/2026</a:t>
             </a:fld>
             <a:endParaRPr lang="en-US"/>
           </a:p>
@@ -843,7 +842,7 @@
             <a:fld id="{1D8BD707-D9CF-40AE-B4C6-C98DA3205C09}" type="datetimeFigureOut">
               <a:rPr lang="en-US" smtClean="0"/>
               <a:pPr/>
-              <a:t>9/23/2025</a:t>
+              <a:t>1/15/2026</a:t>
             </a:fld>
             <a:endParaRPr lang="en-US"/>
           </a:p>
@@ -1023,7 +1022,7 @@
             <a:fld id="{1D8BD707-D9CF-40AE-B4C6-C98DA3205C09}" type="datetimeFigureOut">
               <a:rPr lang="en-US" smtClean="0"/>
               <a:pPr/>
-              <a:t>9/23/2025</a:t>
+              <a:t>1/15/2026</a:t>
             </a:fld>
             <a:endParaRPr lang="en-US"/>
           </a:p>
@@ -1752,7 +1751,7 @@
             <a:fld id="{1D8BD707-D9CF-40AE-B4C6-C98DA3205C09}" type="datetimeFigureOut">
               <a:rPr lang="en-US" smtClean="0"/>
               <a:pPr/>
-              <a:t>9/23/2025</a:t>
+              <a:t>1/15/2026</a:t>
             </a:fld>
             <a:endParaRPr lang="en-US"/>
           </a:p>
@@ -2169,7 +2168,7 @@
             <a:fld id="{1D8BD707-D9CF-40AE-B4C6-C98DA3205C09}" type="datetimeFigureOut">
               <a:rPr lang="en-US" smtClean="0"/>
               <a:pPr/>
-              <a:t>9/23/2025</a:t>
+              <a:t>1/15/2026</a:t>
             </a:fld>
             <a:endParaRPr lang="en-US"/>
           </a:p>
@@ -2468,7 +2467,7 @@
             <a:fld id="{1D8BD707-D9CF-40AE-B4C6-C98DA3205C09}" type="datetimeFigureOut">
               <a:rPr lang="en-US" smtClean="0"/>
               <a:pPr/>
-              <a:t>9/23/2025</a:t>
+              <a:t>1/15/2026</a:t>
             </a:fld>
             <a:endParaRPr lang="en-US"/>
           </a:p>
@@ -3055,7 +3054,7 @@
             <a:fld id="{1D8BD707-D9CF-40AE-B4C6-C98DA3205C09}" type="datetimeFigureOut">
               <a:rPr lang="en-US" smtClean="0"/>
               <a:pPr/>
-              <a:t>9/23/2025</a:t>
+              <a:t>1/15/2026</a:t>
             </a:fld>
             <a:endParaRPr lang="en-US"/>
           </a:p>
@@ -3303,7 +3302,7 @@
             <a:fld id="{1D8BD707-D9CF-40AE-B4C6-C98DA3205C09}" type="datetimeFigureOut">
               <a:rPr lang="en-US" smtClean="0"/>
               <a:pPr/>
-              <a:t>9/23/2025</a:t>
+              <a:t>1/15/2026</a:t>
             </a:fld>
             <a:endParaRPr lang="en-US"/>
           </a:p>
@@ -3558,7 +3557,7 @@
             <a:fld id="{1D8BD707-D9CF-40AE-B4C6-C98DA3205C09}" type="datetimeFigureOut">
               <a:rPr lang="en-US" smtClean="0"/>
               <a:pPr/>
-              <a:t>9/23/2025</a:t>
+              <a:t>1/15/2026</a:t>
             </a:fld>
             <a:endParaRPr lang="en-US"/>
           </a:p>
@@ -3835,7 +3834,7 @@
             <a:fld id="{1D8BD707-D9CF-40AE-B4C6-C98DA3205C09}" type="datetimeFigureOut">
               <a:rPr lang="en-US" smtClean="0"/>
               <a:pPr/>
-              <a:t>9/23/2025</a:t>
+              <a:t>1/15/2026</a:t>
             </a:fld>
             <a:endParaRPr lang="en-US"/>
           </a:p>
@@ -4092,7 +4091,7 @@
             <a:fld id="{1D8BD707-D9CF-40AE-B4C6-C98DA3205C09}" type="datetimeFigureOut">
               <a:rPr lang="en-US" smtClean="0"/>
               <a:pPr/>
-              <a:t>9/23/2025</a:t>
+              <a:t>1/15/2026</a:t>
             </a:fld>
             <a:endParaRPr lang="en-US"/>
           </a:p>
@@ -4308,7 +4307,7 @@
             <a:fld id="{1D8BD707-D9CF-40AE-B4C6-C98DA3205C09}" type="datetimeFigureOut">
               <a:rPr lang="en-US" smtClean="0"/>
               <a:pPr/>
-              <a:t>9/23/2025</a:t>
+              <a:t>1/15/2026</a:t>
             </a:fld>
             <a:endParaRPr lang="en-US"/>
           </a:p>
@@ -6760,92 +6759,6 @@
 </file>
 
 <file path=ppt/slides/slide15.xml><?xml version="1.0" encoding="utf-8"?>
-<p:sld xmlns:a="http://schemas.openxmlformats.org/drawingml/2006/main" xmlns:r="http://schemas.openxmlformats.org/officeDocument/2006/relationships" xmlns:p="http://schemas.openxmlformats.org/presentationml/2006/main">
-  <p:cSld>
-    <p:spTree>
-      <p:nvGrpSpPr>
-        <p:cNvPr id="1" name=""/>
-        <p:cNvGrpSpPr/>
-        <p:nvPr/>
-      </p:nvGrpSpPr>
-      <p:grpSpPr>
-        <a:xfrm>
-          <a:off x="0" y="0"/>
-          <a:ext cx="0" cy="0"/>
-          <a:chOff x="0" y="0"/>
-          <a:chExt cx="0" cy="0"/>
-        </a:xfrm>
-      </p:grpSpPr>
-      <p:sp>
-        <p:nvSpPr>
-          <p:cNvPr id="4" name="Title 3">
-            <a:extLst>
-              <a:ext uri="{FF2B5EF4-FFF2-40B4-BE49-F238E27FC236}">
-                <a16:creationId xmlns:a16="http://schemas.microsoft.com/office/drawing/2014/main" id="{6F34F26A-FAC8-A19A-6B8D-46A179DC4F76}"/>
-              </a:ext>
-            </a:extLst>
-          </p:cNvPr>
-          <p:cNvSpPr>
-            <a:spLocks noGrp="1"/>
-          </p:cNvSpPr>
-          <p:nvPr>
-            <p:ph type="ctrTitle"/>
-          </p:nvPr>
-        </p:nvSpPr>
-        <p:spPr/>
-        <p:txBody>
-          <a:bodyPr/>
-          <a:lstStyle/>
-          <a:p>
-            <a:r>
-              <a:rPr lang="en-US" dirty="0"/>
-              <a:t>Lets get coding!</a:t>
-            </a:r>
-          </a:p>
-        </p:txBody>
-      </p:sp>
-      <p:sp>
-        <p:nvSpPr>
-          <p:cNvPr id="5" name="Subtitle 4">
-            <a:extLst>
-              <a:ext uri="{FF2B5EF4-FFF2-40B4-BE49-F238E27FC236}">
-                <a16:creationId xmlns:a16="http://schemas.microsoft.com/office/drawing/2014/main" id="{E1A86A50-7263-C578-208E-FB439DF17A77}"/>
-              </a:ext>
-            </a:extLst>
-          </p:cNvPr>
-          <p:cNvSpPr>
-            <a:spLocks noGrp="1"/>
-          </p:cNvSpPr>
-          <p:nvPr>
-            <p:ph type="subTitle" idx="1"/>
-          </p:nvPr>
-        </p:nvSpPr>
-        <p:spPr/>
-        <p:txBody>
-          <a:bodyPr/>
-          <a:lstStyle/>
-          <a:p>
-            <a:r>
-              <a:rPr lang="en-US" dirty="0"/>
-              <a:t>IntelliJ</a:t>
-            </a:r>
-          </a:p>
-        </p:txBody>
-      </p:sp>
-    </p:spTree>
-    <p:extLst>
-      <p:ext uri="{BB962C8B-B14F-4D97-AF65-F5344CB8AC3E}">
-        <p14:creationId xmlns:p14="http://schemas.microsoft.com/office/powerpoint/2010/main" val="2995386873"/>
-      </p:ext>
-    </p:extLst>
-  </p:cSld>
-  <p:clrMapOvr>
-    <a:masterClrMapping/>
-  </p:clrMapOvr>
-</p:sld>
-</file>
-
-<file path=ppt/slides/slide16.xml><?xml version="1.0" encoding="utf-8"?>
 <p:sld xmlns:a="http://schemas.openxmlformats.org/drawingml/2006/main" xmlns:r="http://schemas.openxmlformats.org/officeDocument/2006/relationships" xmlns:p="http://schemas.openxmlformats.org/presentationml/2006/main">
   <p:cSld>
     <p:spTree>
